--- a/PPT/Lec2/2-Laravel-tutorial.pptx
+++ b/PPT/Lec2/2-Laravel-tutorial.pptx
@@ -5,7 +5,7 @@
     <p:sldMasterId id="2147483660" r:id="rId1"/>
   </p:sldMasterIdLst>
   <p:notesMasterIdLst>
-    <p:notesMasterId r:id="rId18"/>
+    <p:notesMasterId r:id="rId19"/>
   </p:notesMasterIdLst>
   <p:sldIdLst>
     <p:sldId id="268" r:id="rId2"/>
@@ -18,12 +18,13 @@
     <p:sldId id="298" r:id="rId9"/>
     <p:sldId id="299" r:id="rId10"/>
     <p:sldId id="300" r:id="rId11"/>
-    <p:sldId id="291" r:id="rId12"/>
-    <p:sldId id="301" r:id="rId13"/>
-    <p:sldId id="304" r:id="rId14"/>
-    <p:sldId id="302" r:id="rId15"/>
-    <p:sldId id="305" r:id="rId16"/>
-    <p:sldId id="306" r:id="rId17"/>
+    <p:sldId id="307" r:id="rId12"/>
+    <p:sldId id="291" r:id="rId13"/>
+    <p:sldId id="301" r:id="rId14"/>
+    <p:sldId id="304" r:id="rId15"/>
+    <p:sldId id="302" r:id="rId16"/>
+    <p:sldId id="305" r:id="rId17"/>
+    <p:sldId id="306" r:id="rId18"/>
   </p:sldIdLst>
   <p:sldSz cx="9144000" cy="6858000" type="screen4x3"/>
   <p:notesSz cx="6858000" cy="9144000"/>
@@ -208,7 +209,7 @@
             <a:fld id="{EA38CB6D-63C9-464B-889E-D8FE438905A2}" type="datetimeFigureOut">
               <a:rPr lang="ar-EG" smtClean="0"/>
               <a:pPr/>
-              <a:t>10/03/1440</a:t>
+              <a:t>14/03/1440</a:t>
             </a:fld>
             <a:endParaRPr lang="ar-EG"/>
           </a:p>
@@ -540,7 +541,7 @@
             <a:fld id="{7064DDED-A035-4607-9F47-196AD2B17684}" type="slidenum">
               <a:rPr lang="en-US" smtClean="0"/>
               <a:pPr/>
-              <a:t>11</a:t>
+              <a:t>12</a:t>
             </a:fld>
             <a:endParaRPr lang="en-US"/>
           </a:p>
@@ -549,7 +550,7 @@
     </p:spTree>
     <p:extLst>
       <p:ext uri="{BB962C8B-B14F-4D97-AF65-F5344CB8AC3E}">
-        <p14:creationId xmlns="" xmlns:p14="http://schemas.microsoft.com/office/powerpoint/2010/main" val="2100077196"/>
+        <p14:creationId xmlns:p14="http://schemas.microsoft.com/office/powerpoint/2010/main" xmlns="" val="2100077196"/>
       </p:ext>
     </p:extLst>
   </p:cSld>
@@ -741,7 +742,7 @@
             <a:fld id="{1D8BD707-D9CF-40AE-B4C6-C98DA3205C09}" type="datetimeFigureOut">
               <a:rPr lang="en-US" smtClean="0"/>
               <a:pPr/>
-              <a:t>11/18/2018</a:t>
+              <a:t>11/22/2018</a:t>
             </a:fld>
             <a:endParaRPr lang="en-US"/>
           </a:p>
@@ -908,7 +909,7 @@
             <a:fld id="{1D8BD707-D9CF-40AE-B4C6-C98DA3205C09}" type="datetimeFigureOut">
               <a:rPr lang="en-US" smtClean="0"/>
               <a:pPr/>
-              <a:t>11/18/2018</a:t>
+              <a:t>11/22/2018</a:t>
             </a:fld>
             <a:endParaRPr lang="en-US"/>
           </a:p>
@@ -1085,7 +1086,7 @@
             <a:fld id="{1D8BD707-D9CF-40AE-B4C6-C98DA3205C09}" type="datetimeFigureOut">
               <a:rPr lang="en-US" smtClean="0"/>
               <a:pPr/>
-              <a:t>11/18/2018</a:t>
+              <a:t>11/22/2018</a:t>
             </a:fld>
             <a:endParaRPr lang="en-US"/>
           </a:p>
@@ -1252,7 +1253,7 @@
             <a:fld id="{1D8BD707-D9CF-40AE-B4C6-C98DA3205C09}" type="datetimeFigureOut">
               <a:rPr lang="en-US" smtClean="0"/>
               <a:pPr/>
-              <a:t>11/18/2018</a:t>
+              <a:t>11/22/2018</a:t>
             </a:fld>
             <a:endParaRPr lang="en-US"/>
           </a:p>
@@ -1495,7 +1496,7 @@
             <a:fld id="{1D8BD707-D9CF-40AE-B4C6-C98DA3205C09}" type="datetimeFigureOut">
               <a:rPr lang="en-US" smtClean="0"/>
               <a:pPr/>
-              <a:t>11/18/2018</a:t>
+              <a:t>11/22/2018</a:t>
             </a:fld>
             <a:endParaRPr lang="en-US"/>
           </a:p>
@@ -1780,7 +1781,7 @@
             <a:fld id="{1D8BD707-D9CF-40AE-B4C6-C98DA3205C09}" type="datetimeFigureOut">
               <a:rPr lang="en-US" smtClean="0"/>
               <a:pPr/>
-              <a:t>11/18/2018</a:t>
+              <a:t>11/22/2018</a:t>
             </a:fld>
             <a:endParaRPr lang="en-US"/>
           </a:p>
@@ -2199,7 +2200,7 @@
             <a:fld id="{1D8BD707-D9CF-40AE-B4C6-C98DA3205C09}" type="datetimeFigureOut">
               <a:rPr lang="en-US" smtClean="0"/>
               <a:pPr/>
-              <a:t>11/18/2018</a:t>
+              <a:t>11/22/2018</a:t>
             </a:fld>
             <a:endParaRPr lang="en-US"/>
           </a:p>
@@ -2314,7 +2315,7 @@
             <a:fld id="{1D8BD707-D9CF-40AE-B4C6-C98DA3205C09}" type="datetimeFigureOut">
               <a:rPr lang="en-US" smtClean="0"/>
               <a:pPr/>
-              <a:t>11/18/2018</a:t>
+              <a:t>11/22/2018</a:t>
             </a:fld>
             <a:endParaRPr lang="en-US"/>
           </a:p>
@@ -2406,7 +2407,7 @@
             <a:fld id="{1D8BD707-D9CF-40AE-B4C6-C98DA3205C09}" type="datetimeFigureOut">
               <a:rPr lang="en-US" smtClean="0"/>
               <a:pPr/>
-              <a:t>11/18/2018</a:t>
+              <a:t>11/22/2018</a:t>
             </a:fld>
             <a:endParaRPr lang="en-US"/>
           </a:p>
@@ -2680,7 +2681,7 @@
             <a:fld id="{1D8BD707-D9CF-40AE-B4C6-C98DA3205C09}" type="datetimeFigureOut">
               <a:rPr lang="en-US" smtClean="0"/>
               <a:pPr/>
-              <a:t>11/18/2018</a:t>
+              <a:t>11/22/2018</a:t>
             </a:fld>
             <a:endParaRPr lang="en-US"/>
           </a:p>
@@ -2930,7 +2931,7 @@
             <a:fld id="{1D8BD707-D9CF-40AE-B4C6-C98DA3205C09}" type="datetimeFigureOut">
               <a:rPr lang="en-US" smtClean="0"/>
               <a:pPr/>
-              <a:t>11/18/2018</a:t>
+              <a:t>11/22/2018</a:t>
             </a:fld>
             <a:endParaRPr lang="en-US"/>
           </a:p>
@@ -3140,7 +3141,7 @@
             <a:fld id="{1D8BD707-D9CF-40AE-B4C6-C98DA3205C09}" type="datetimeFigureOut">
               <a:rPr lang="en-US" smtClean="0"/>
               <a:pPr/>
-              <a:t>11/18/2018</a:t>
+              <a:t>11/22/2018</a:t>
             </a:fld>
             <a:endParaRPr lang="en-US"/>
           </a:p>
@@ -3694,164 +3695,76 @@
             <p:ph type="title"/>
           </p:nvPr>
         </p:nvSpPr>
+        <p:spPr/>
+        <p:txBody>
+          <a:bodyPr>
+            <a:normAutofit/>
+          </a:bodyPr>
+          <a:lstStyle/>
+          <a:p>
+            <a:r>
+              <a:rPr lang="en-US" b="1" dirty="0" smtClean="0"/>
+              <a:t>Routing </a:t>
+            </a:r>
+            <a:r>
+              <a:rPr lang="en-US" b="1" dirty="0" smtClean="0"/>
+              <a:t> </a:t>
+            </a:r>
+            <a:r>
+              <a:rPr lang="en-US" dirty="0" smtClean="0"/>
+              <a:t>Show  </a:t>
+            </a:r>
+            <a:r>
+              <a:rPr lang="en-US" dirty="0" err="1" smtClean="0"/>
+              <a:t>route:list</a:t>
+            </a:r>
+            <a:endParaRPr lang="en-US" dirty="0"/>
+          </a:p>
+        </p:txBody>
+      </p:sp>
+      <p:sp>
+        <p:nvSpPr>
+          <p:cNvPr id="4" name="TextBox 3"/>
+          <p:cNvSpPr txBox="1"/>
+          <p:nvPr/>
+        </p:nvSpPr>
         <p:spPr>
           <a:xfrm>
-            <a:off x="602674" y="2"/>
-            <a:ext cx="4420361" cy="1681017"/>
-          </a:xfrm>
-        </p:spPr>
-        <p:txBody>
-          <a:bodyPr/>
-          <a:lstStyle/>
-          <a:p>
-            <a:r>
-              <a:rPr lang="en-US" dirty="0" smtClean="0"/>
-              <a:t>  Artisan !</a:t>
-            </a:r>
-            <a:endParaRPr lang="en-US" dirty="0"/>
-          </a:p>
-        </p:txBody>
-      </p:sp>
-      <p:sp>
-        <p:nvSpPr>
-          <p:cNvPr id="3" name="Content Placeholder 2"/>
-          <p:cNvSpPr>
-            <a:spLocks noGrp="1"/>
-          </p:cNvSpPr>
-          <p:nvPr>
-            <p:ph idx="1"/>
-          </p:nvPr>
-        </p:nvSpPr>
-        <p:spPr>
-          <a:xfrm>
-            <a:off x="824345" y="961782"/>
-            <a:ext cx="3962400" cy="4672401"/>
-          </a:xfrm>
-        </p:spPr>
-        <p:txBody>
-          <a:bodyPr>
-            <a:noAutofit/>
-          </a:bodyPr>
-          <a:lstStyle/>
-          <a:p>
-            <a:pPr lvl="0"/>
-            <a:endParaRPr lang="en-US" sz="2000" dirty="0" smtClean="0"/>
-          </a:p>
-          <a:p>
-            <a:pPr lvl="0"/>
-            <a:r>
-              <a:rPr lang="en-US" sz="2000" b="1" dirty="0" smtClean="0"/>
-              <a:t>Artisan</a:t>
-            </a:r>
-            <a:r>
-              <a:rPr lang="en-US" sz="2000" dirty="0" smtClean="0"/>
-              <a:t> is command-line interface for </a:t>
-            </a:r>
-            <a:r>
-              <a:rPr lang="en-US" sz="2000" b="1" dirty="0" err="1" smtClean="0"/>
-              <a:t>Laravel</a:t>
-            </a:r>
-            <a:endParaRPr lang="en-US" sz="2000" b="1" dirty="0" smtClean="0"/>
-          </a:p>
-          <a:p>
-            <a:pPr lvl="0"/>
-            <a:r>
-              <a:rPr lang="en-US" sz="2000" dirty="0"/>
-              <a:t>C</a:t>
-            </a:r>
-            <a:r>
-              <a:rPr lang="en-US" sz="2000" dirty="0" smtClean="0"/>
-              <a:t>ommands that are saving time</a:t>
-            </a:r>
-          </a:p>
-          <a:p>
-            <a:pPr lvl="0"/>
-            <a:r>
-              <a:rPr lang="en-US" sz="2000" dirty="0" smtClean="0"/>
-              <a:t>Generating files with artisan is </a:t>
-            </a:r>
-            <a:r>
-              <a:rPr lang="en-US" sz="2000" b="1" dirty="0" smtClean="0"/>
-              <a:t>recommended</a:t>
-            </a:r>
-          </a:p>
-          <a:p>
-            <a:pPr lvl="0"/>
-            <a:r>
-              <a:rPr lang="en-US" sz="2000" dirty="0" smtClean="0"/>
-              <a:t>Run</a:t>
-            </a:r>
-            <a:r>
-              <a:rPr lang="en-US" sz="2000" b="1" dirty="0" smtClean="0"/>
-              <a:t> </a:t>
-            </a:r>
-            <a:r>
-              <a:rPr lang="en-US" sz="2000" b="1" dirty="0" err="1" smtClean="0"/>
-              <a:t>php</a:t>
-            </a:r>
-            <a:r>
-              <a:rPr lang="en-US" sz="2000" b="1" dirty="0" smtClean="0"/>
-              <a:t> artisan list </a:t>
-            </a:r>
-            <a:r>
-              <a:rPr lang="en-US" sz="2000" dirty="0" smtClean="0"/>
-              <a:t>in the console</a:t>
-            </a:r>
-          </a:p>
-        </p:txBody>
-      </p:sp>
-      <p:pic>
-        <p:nvPicPr>
-          <p:cNvPr id="6" name="Picture 5"/>
-          <p:cNvPicPr>
-            <a:picLocks noChangeAspect="1"/>
-          </p:cNvPicPr>
-          <p:nvPr/>
-        </p:nvPicPr>
-        <p:blipFill>
-          <a:blip r:embed="rId3">
-            <a:extLst>
-              <a:ext uri="{28A0092B-C50C-407E-A947-70E740481C1C}">
-                <a14:useLocalDpi xmlns="" xmlns:a14="http://schemas.microsoft.com/office/drawing/2010/main" val="0"/>
-              </a:ext>
-            </a:extLst>
-          </a:blip>
-          <a:stretch>
-            <a:fillRect/>
-          </a:stretch>
-        </p:blipFill>
-        <p:spPr>
-          <a:xfrm>
-            <a:off x="5023035" y="1"/>
-            <a:ext cx="4120966" cy="6858000"/>
+            <a:off x="914400" y="2514600"/>
+            <a:ext cx="3307380" cy="523220"/>
           </a:xfrm>
           <a:prstGeom prst="rect">
             <a:avLst/>
           </a:prstGeom>
+          <a:noFill/>
         </p:spPr>
-      </p:pic>
+        <p:txBody>
+          <a:bodyPr wrap="none" rtlCol="0">
+            <a:spAutoFit/>
+          </a:bodyPr>
+          <a:lstStyle/>
+          <a:p>
+            <a:r>
+              <a:rPr lang="en-US" sz="2800" b="1" dirty="0" err="1" smtClean="0"/>
+              <a:t>php</a:t>
+            </a:r>
+            <a:r>
+              <a:rPr lang="en-US" sz="2800" b="1" dirty="0" smtClean="0"/>
+              <a:t> artisan </a:t>
+            </a:r>
+            <a:r>
+              <a:rPr lang="en-US" sz="2800" b="1" dirty="0" err="1" smtClean="0"/>
+              <a:t>route:list</a:t>
+            </a:r>
+            <a:endParaRPr lang="en-US" sz="2800" b="1" dirty="0"/>
+          </a:p>
+        </p:txBody>
+      </p:sp>
     </p:spTree>
-    <p:extLst>
-      <p:ext uri="{BB962C8B-B14F-4D97-AF65-F5344CB8AC3E}">
-        <p14:creationId xmlns="" xmlns:p14="http://schemas.microsoft.com/office/powerpoint/2010/main" val="3837674544"/>
-      </p:ext>
-    </p:extLst>
   </p:cSld>
   <p:clrMapOvr>
     <a:masterClrMapping/>
   </p:clrMapOvr>
-  <mc:AlternateContent xmlns:mc="http://schemas.openxmlformats.org/markup-compatibility/2006">
-    <mc:Choice xmlns="" xmlns:p14="http://schemas.microsoft.com/office/powerpoint/2010/main" Requires="p14">
-      <p:transition spd="slow">
-        <p14:reveal/>
-      </p:transition>
-    </mc:Choice>
-    <mc:Fallback>
-      <p:transition spd="slow">
-        <p:fade/>
-      </p:transition>
-    </mc:Fallback>
-  </mc:AlternateContent>
   <p:timing>
     <p:tnLst>
       <p:par>
@@ -3889,176 +3802,164 @@
             <p:ph type="title"/>
           </p:nvPr>
         </p:nvSpPr>
-        <p:spPr/>
-        <p:txBody>
-          <a:bodyPr>
-            <a:normAutofit/>
-          </a:bodyPr>
-          <a:lstStyle/>
-          <a:p>
-            <a:r>
-              <a:rPr lang="en-US" b="1" dirty="0" smtClean="0">
-                <a:hlinkClick r:id="rId2"/>
-              </a:rPr>
-              <a:t>Blade syntax </a:t>
-            </a:r>
-            <a:r>
-              <a:rPr lang="en-US" dirty="0" smtClean="0"/>
-              <a:t>- Basic output</a:t>
-            </a:r>
-          </a:p>
-        </p:txBody>
-      </p:sp>
-      <p:sp>
-        <p:nvSpPr>
-          <p:cNvPr id="3" name="Content Placeholder 2"/>
-          <p:cNvSpPr>
-            <a:spLocks noGrp="1"/>
-          </p:cNvSpPr>
-          <p:nvPr>
-            <p:ph idx="1"/>
-          </p:nvPr>
-        </p:nvSpPr>
-        <p:spPr/>
-        <p:txBody>
-          <a:bodyPr/>
-          <a:lstStyle/>
-          <a:p>
-            <a:endParaRPr lang="en-US" dirty="0" smtClean="0"/>
-          </a:p>
-          <a:p>
-            <a:endParaRPr lang="en-US" dirty="0" smtClean="0"/>
-          </a:p>
-          <a:p>
-            <a:endParaRPr lang="en-US" dirty="0"/>
-          </a:p>
-        </p:txBody>
-      </p:sp>
-      <p:sp>
-        <p:nvSpPr>
-          <p:cNvPr id="6" name="TextBox 5"/>
-          <p:cNvSpPr txBox="1"/>
-          <p:nvPr/>
-        </p:nvSpPr>
         <p:spPr>
           <a:xfrm>
-            <a:off x="1066800" y="2133600"/>
-            <a:ext cx="6169509" cy="3416320"/>
+            <a:off x="602674" y="2"/>
+            <a:ext cx="4420361" cy="1681017"/>
+          </a:xfrm>
+        </p:spPr>
+        <p:txBody>
+          <a:bodyPr/>
+          <a:lstStyle/>
+          <a:p>
+            <a:r>
+              <a:rPr lang="en-US" dirty="0" smtClean="0"/>
+              <a:t>  Artisan !</a:t>
+            </a:r>
+            <a:endParaRPr lang="en-US" dirty="0"/>
+          </a:p>
+        </p:txBody>
+      </p:sp>
+      <p:sp>
+        <p:nvSpPr>
+          <p:cNvPr id="3" name="Content Placeholder 2"/>
+          <p:cNvSpPr>
+            <a:spLocks noGrp="1"/>
+          </p:cNvSpPr>
+          <p:nvPr>
+            <p:ph idx="1"/>
+          </p:nvPr>
+        </p:nvSpPr>
+        <p:spPr>
+          <a:xfrm>
+            <a:off x="824345" y="961782"/>
+            <a:ext cx="3962400" cy="4672401"/>
+          </a:xfrm>
+        </p:spPr>
+        <p:txBody>
+          <a:bodyPr>
+            <a:noAutofit/>
+          </a:bodyPr>
+          <a:lstStyle/>
+          <a:p>
+            <a:pPr lvl="0"/>
+            <a:endParaRPr lang="en-US" sz="2000" dirty="0" smtClean="0"/>
+          </a:p>
+          <a:p>
+            <a:pPr lvl="0"/>
+            <a:r>
+              <a:rPr lang="en-US" sz="2000" b="1" dirty="0" smtClean="0"/>
+              <a:t>Artisan</a:t>
+            </a:r>
+            <a:r>
+              <a:rPr lang="en-US" sz="2000" dirty="0" smtClean="0"/>
+              <a:t> is command-line interface for </a:t>
+            </a:r>
+            <a:r>
+              <a:rPr lang="en-US" sz="2000" b="1" dirty="0" err="1" smtClean="0"/>
+              <a:t>Laravel</a:t>
+            </a:r>
+            <a:endParaRPr lang="en-US" sz="2000" b="1" dirty="0" smtClean="0"/>
+          </a:p>
+          <a:p>
+            <a:pPr lvl="0"/>
+            <a:r>
+              <a:rPr lang="en-US" sz="2000" dirty="0"/>
+              <a:t>C</a:t>
+            </a:r>
+            <a:r>
+              <a:rPr lang="en-US" sz="2000" dirty="0" smtClean="0"/>
+              <a:t>ommands that are saving time</a:t>
+            </a:r>
+          </a:p>
+          <a:p>
+            <a:pPr lvl="0"/>
+            <a:r>
+              <a:rPr lang="en-US" sz="2000" dirty="0" smtClean="0"/>
+              <a:t>Generating files with artisan is </a:t>
+            </a:r>
+            <a:r>
+              <a:rPr lang="en-US" sz="2000" b="1" dirty="0" smtClean="0"/>
+              <a:t>recommended</a:t>
+            </a:r>
+          </a:p>
+          <a:p>
+            <a:pPr lvl="0"/>
+            <a:r>
+              <a:rPr lang="en-US" sz="2000" dirty="0" smtClean="0"/>
+              <a:t>Run</a:t>
+            </a:r>
+            <a:r>
+              <a:rPr lang="en-US" sz="2000" b="1" dirty="0" smtClean="0"/>
+              <a:t> </a:t>
+            </a:r>
+            <a:r>
+              <a:rPr lang="en-US" sz="2000" b="1" dirty="0" err="1" smtClean="0"/>
+              <a:t>php</a:t>
+            </a:r>
+            <a:r>
+              <a:rPr lang="en-US" sz="2000" b="1" dirty="0" smtClean="0"/>
+              <a:t> artisan list </a:t>
+            </a:r>
+            <a:r>
+              <a:rPr lang="en-US" sz="2000" dirty="0" smtClean="0"/>
+              <a:t>in the console</a:t>
+            </a:r>
+          </a:p>
+        </p:txBody>
+      </p:sp>
+      <p:pic>
+        <p:nvPicPr>
+          <p:cNvPr id="6" name="Picture 5"/>
+          <p:cNvPicPr>
+            <a:picLocks noChangeAspect="1"/>
+          </p:cNvPicPr>
+          <p:nvPr/>
+        </p:nvPicPr>
+        <p:blipFill>
+          <a:blip r:embed="rId3">
+            <a:extLst>
+              <a:ext uri="{28A0092B-C50C-407E-A947-70E740481C1C}">
+                <a14:useLocalDpi xmlns:a14="http://schemas.microsoft.com/office/drawing/2010/main" xmlns="" val="0"/>
+              </a:ext>
+            </a:extLst>
+          </a:blip>
+          <a:stretch>
+            <a:fillRect/>
+          </a:stretch>
+        </p:blipFill>
+        <p:spPr>
+          <a:xfrm>
+            <a:off x="5023035" y="1"/>
+            <a:ext cx="4120966" cy="6858000"/>
           </a:xfrm>
           <a:prstGeom prst="rect">
             <a:avLst/>
           </a:prstGeom>
-          <a:noFill/>
         </p:spPr>
-        <p:txBody>
-          <a:bodyPr wrap="none" rtlCol="0">
-            <a:spAutoFit/>
-          </a:bodyPr>
-          <a:lstStyle/>
-          <a:p>
-            <a:r>
-              <a:rPr lang="en-US" b="1" dirty="0" smtClean="0">
-                <a:solidFill>
-                  <a:srgbClr val="00B050"/>
-                </a:solidFill>
-              </a:rPr>
-              <a:t>// Displaying</a:t>
-            </a:r>
-          </a:p>
-          <a:p>
-            <a:r>
-              <a:rPr lang="en-US" dirty="0" smtClean="0"/>
-              <a:t>{{ $x }} - Echo content</a:t>
-            </a:r>
-          </a:p>
-          <a:p>
-            <a:r>
-              <a:rPr lang="en-US" dirty="0" smtClean="0"/>
-              <a:t>{!! $x !!} - Echo content without escaping special characters</a:t>
-            </a:r>
-          </a:p>
-          <a:p>
-            <a:r>
-              <a:rPr lang="en-US" dirty="0" smtClean="0"/>
-              <a:t>{{ $x or 'default' }} - Echo content with a default value</a:t>
-            </a:r>
-          </a:p>
-          <a:p>
-            <a:endParaRPr lang="en-US" dirty="0" smtClean="0"/>
-          </a:p>
-          <a:p>
-            <a:r>
-              <a:rPr lang="en-US" b="1" dirty="0" smtClean="0">
-                <a:solidFill>
-                  <a:srgbClr val="00B050"/>
-                </a:solidFill>
-              </a:rPr>
-              <a:t>// Comments</a:t>
-            </a:r>
-          </a:p>
-          <a:p>
-            <a:r>
-              <a:rPr lang="en-US" dirty="0" smtClean="0"/>
-              <a:t> {{-- This comment will not be present in the rendered HTML --}}</a:t>
-            </a:r>
-          </a:p>
-          <a:p>
-            <a:endParaRPr lang="en-US" dirty="0" smtClean="0"/>
-          </a:p>
-          <a:p>
-            <a:r>
-              <a:rPr lang="en-US" b="1" dirty="0" smtClean="0">
-                <a:solidFill>
-                  <a:srgbClr val="00B050"/>
-                </a:solidFill>
-              </a:rPr>
-              <a:t>// PHP</a:t>
-            </a:r>
-          </a:p>
-          <a:p>
-            <a:r>
-              <a:rPr lang="en-US" dirty="0" smtClean="0"/>
-              <a:t>@</a:t>
-            </a:r>
-            <a:r>
-              <a:rPr lang="en-US" dirty="0" err="1" smtClean="0"/>
-              <a:t>php</a:t>
-            </a:r>
-            <a:r>
-              <a:rPr lang="en-US" dirty="0" smtClean="0"/>
-              <a:t>...@</a:t>
-            </a:r>
-            <a:r>
-              <a:rPr lang="en-US" dirty="0" err="1" smtClean="0"/>
-              <a:t>endphp</a:t>
-            </a:r>
-            <a:endParaRPr lang="en-US" dirty="0" smtClean="0"/>
-          </a:p>
-          <a:p>
-            <a:r>
-              <a:rPr lang="en-US" dirty="0" smtClean="0"/>
-              <a:t>&lt;?</a:t>
-            </a:r>
-            <a:r>
-              <a:rPr lang="en-US" dirty="0" err="1" smtClean="0"/>
-              <a:t>php</a:t>
-            </a:r>
-            <a:r>
-              <a:rPr lang="en-US" smtClean="0"/>
-              <a:t>  ?&gt;</a:t>
-            </a:r>
-            <a:endParaRPr lang="en-US" dirty="0" smtClean="0"/>
-          </a:p>
-          <a:p>
-            <a:endParaRPr lang="en-US" dirty="0"/>
-          </a:p>
-        </p:txBody>
-      </p:sp>
+      </p:pic>
     </p:spTree>
+    <p:extLst>
+      <p:ext uri="{BB962C8B-B14F-4D97-AF65-F5344CB8AC3E}">
+        <p14:creationId xmlns:p14="http://schemas.microsoft.com/office/powerpoint/2010/main" xmlns="" val="3837674544"/>
+      </p:ext>
+    </p:extLst>
   </p:cSld>
   <p:clrMapOvr>
     <a:masterClrMapping/>
   </p:clrMapOvr>
+  <mc:AlternateContent xmlns:mc="http://schemas.openxmlformats.org/markup-compatibility/2006">
+    <mc:Choice xmlns:p14="http://schemas.microsoft.com/office/powerpoint/2010/main" xmlns="" Requires="p14">
+      <p:transition spd="slow">
+        <p14:reveal/>
+      </p:transition>
+    </mc:Choice>
+    <mc:Fallback>
+      <p:transition spd="slow">
+        <p:fade/>
+      </p:transition>
+    </mc:Fallback>
+  </mc:AlternateContent>
   <p:timing>
     <p:tnLst>
       <p:par>
@@ -4111,7 +4012,7 @@
             </a:r>
             <a:r>
               <a:rPr lang="en-US" dirty="0" smtClean="0"/>
-              <a:t>-  Path Control </a:t>
+              <a:t>- Basic output</a:t>
             </a:r>
           </a:p>
         </p:txBody>
@@ -4150,7 +4051,7 @@
         <p:spPr>
           <a:xfrm>
             <a:off x="1066800" y="2133600"/>
-            <a:ext cx="6386172" cy="3416320"/>
+            <a:ext cx="6169509" cy="3416320"/>
           </a:xfrm>
           <a:prstGeom prst="rect">
             <a:avLst/>
@@ -4169,40 +4070,25 @@
                   <a:srgbClr val="00B050"/>
                 </a:solidFill>
               </a:rPr>
-              <a:t>// If Statements </a:t>
+              <a:t>// Displaying</a:t>
             </a:r>
           </a:p>
           <a:p>
             <a:r>
               <a:rPr lang="en-US" dirty="0" smtClean="0"/>
-              <a:t>@if, @</a:t>
-            </a:r>
-            <a:r>
-              <a:rPr lang="en-US" dirty="0" err="1" smtClean="0"/>
-              <a:t>elseif</a:t>
-            </a:r>
+              <a:t>{{ $x }} - Echo content</a:t>
+            </a:r>
+          </a:p>
+          <a:p>
             <a:r>
               <a:rPr lang="en-US" dirty="0" smtClean="0"/>
-              <a:t>, @else and @</a:t>
-            </a:r>
-            <a:r>
-              <a:rPr lang="en-US" dirty="0" err="1" smtClean="0"/>
-              <a:t>endif</a:t>
-            </a:r>
-            <a:endParaRPr lang="en-US" dirty="0" smtClean="0"/>
+              <a:t>{!! $x !!} - Echo content without escaping special characters</a:t>
+            </a:r>
           </a:p>
           <a:p>
             <a:r>
               <a:rPr lang="en-US" dirty="0" smtClean="0"/>
-              <a:t> @unless, @</a:t>
-            </a:r>
-            <a:r>
-              <a:rPr lang="en-US" dirty="0" err="1" smtClean="0"/>
-              <a:t>endunless</a:t>
-            </a:r>
-            <a:r>
-              <a:rPr lang="en-US" dirty="0" smtClean="0"/>
-              <a:t> </a:t>
+              <a:t>{{ $x or 'default' }} - Echo content with a default value</a:t>
             </a:r>
           </a:p>
           <a:p>
@@ -4215,19 +4101,27 @@
                   <a:srgbClr val="00B050"/>
                 </a:solidFill>
               </a:rPr>
-              <a:t>// Loops </a:t>
+              <a:t>// Comments</a:t>
             </a:r>
           </a:p>
           <a:p>
             <a:r>
               <a:rPr lang="en-US" dirty="0" smtClean="0"/>
-              <a:t>@for...@</a:t>
-            </a:r>
-            <a:r>
-              <a:rPr lang="en-US" dirty="0" err="1" smtClean="0"/>
-              <a:t>endfor</a:t>
-            </a:r>
+              <a:t> {{-- This comment will not be present in the rendered HTML --}}</a:t>
+            </a:r>
+          </a:p>
+          <a:p>
             <a:endParaRPr lang="en-US" dirty="0" smtClean="0"/>
+          </a:p>
+          <a:p>
+            <a:r>
+              <a:rPr lang="en-US" b="1" dirty="0" smtClean="0">
+                <a:solidFill>
+                  <a:srgbClr val="00B050"/>
+                </a:solidFill>
+              </a:rPr>
+              <a:t>// PHP</a:t>
+            </a:r>
           </a:p>
           <a:p>
             <a:r>
@@ -4236,7 +4130,7 @@
             </a:r>
             <a:r>
               <a:rPr lang="en-US" dirty="0" err="1" smtClean="0"/>
-              <a:t>foreach</a:t>
+              <a:t>php</a:t>
             </a:r>
             <a:r>
               <a:rPr lang="en-US" dirty="0" smtClean="0"/>
@@ -4244,57 +4138,26 @@
             </a:r>
             <a:r>
               <a:rPr lang="en-US" dirty="0" err="1" smtClean="0"/>
-              <a:t>endforeach</a:t>
+              <a:t>endphp</a:t>
             </a:r>
             <a:endParaRPr lang="en-US" dirty="0" smtClean="0"/>
           </a:p>
           <a:p>
             <a:r>
               <a:rPr lang="en-US" dirty="0" smtClean="0"/>
-              <a:t>@</a:t>
+              <a:t>&lt;?</a:t>
             </a:r>
             <a:r>
               <a:rPr lang="en-US" dirty="0" err="1" smtClean="0"/>
-              <a:t>forelse</a:t>
-            </a:r>
-            <a:r>
-              <a:rPr lang="en-US" dirty="0" smtClean="0"/>
-              <a:t>...@empty...@</a:t>
-            </a:r>
-            <a:r>
-              <a:rPr lang="en-US" dirty="0" err="1" smtClean="0"/>
-              <a:t>endforelse</a:t>
+              <a:t>php</a:t>
+            </a:r>
+            <a:r>
+              <a:rPr lang="en-US" smtClean="0"/>
+              <a:t>  ?&gt;</a:t>
             </a:r>
             <a:endParaRPr lang="en-US" dirty="0" smtClean="0"/>
           </a:p>
           <a:p>
-            <a:r>
-              <a:rPr lang="en-US" dirty="0" smtClean="0"/>
-              <a:t>@while...@</a:t>
-            </a:r>
-            <a:r>
-              <a:rPr lang="en-US" dirty="0" err="1" smtClean="0"/>
-              <a:t>endwhile</a:t>
-            </a:r>
-            <a:endParaRPr lang="en-US" dirty="0" smtClean="0"/>
-          </a:p>
-          <a:p>
-            <a:r>
-              <a:rPr lang="en-US" dirty="0" smtClean="0"/>
-              <a:t>@continue, @continue($user-&gt;type==1) </a:t>
-            </a:r>
-          </a:p>
-          <a:p>
-            <a:r>
-              <a:rPr lang="en-US" dirty="0" smtClean="0"/>
-              <a:t>@break, $break($user-&gt;type==1)</a:t>
-            </a:r>
-          </a:p>
-          <a:p>
-            <a:r>
-              <a:rPr lang="en-US" dirty="0" smtClean="0"/>
-              <a:t> $loop - index, iteration, remaining, count, first, last, depth, parent</a:t>
-            </a:r>
             <a:endParaRPr lang="en-US" dirty="0"/>
           </a:p>
         </p:txBody>
@@ -4344,7 +4207,7 @@
         <p:spPr/>
         <p:txBody>
           <a:bodyPr>
-            <a:normAutofit fontScale="90000"/>
+            <a:normAutofit/>
           </a:bodyPr>
           <a:lstStyle/>
           <a:p>
@@ -4356,11 +4219,7 @@
             </a:r>
             <a:r>
               <a:rPr lang="en-US" dirty="0" smtClean="0"/>
-              <a:t>- </a:t>
-            </a:r>
-            <a:r>
-              <a:rPr lang="en-US" b="1" dirty="0" smtClean="0"/>
-              <a:t>Template inheritance</a:t>
+              <a:t>-  Path Control </a:t>
             </a:r>
           </a:p>
         </p:txBody>
@@ -4398,8 +4257,8 @@
         </p:nvSpPr>
         <p:spPr>
           <a:xfrm>
-            <a:off x="427511" y="1828800"/>
-            <a:ext cx="8716489" cy="4247317"/>
+            <a:off x="1066800" y="2133600"/>
+            <a:ext cx="6386172" cy="3416320"/>
           </a:xfrm>
           <a:prstGeom prst="rect">
             <a:avLst/>
@@ -4412,46 +4271,42 @@
           </a:bodyPr>
           <a:lstStyle/>
           <a:p>
-            <a:pPr lvl="1"/>
             <a:r>
               <a:rPr lang="en-US" b="1" dirty="0" smtClean="0">
                 <a:solidFill>
                   <a:srgbClr val="00B050"/>
                 </a:solidFill>
               </a:rPr>
-              <a:t>// Defining A Layout </a:t>
-            </a:r>
-          </a:p>
-          <a:p>
-            <a:pPr lvl="1"/>
+              <a:t>// If Statements </a:t>
+            </a:r>
+          </a:p>
+          <a:p>
             <a:r>
               <a:rPr lang="en-US" dirty="0" smtClean="0"/>
-              <a:t>@yield('name') </a:t>
-            </a:r>
-          </a:p>
-          <a:p>
-            <a:pPr lvl="1"/>
+              <a:t>@if, @</a:t>
+            </a:r>
+            <a:r>
+              <a:rPr lang="en-US" dirty="0" err="1" smtClean="0"/>
+              <a:t>elseif</a:t>
+            </a:r>
             <a:r>
               <a:rPr lang="en-US" dirty="0" smtClean="0"/>
-              <a:t>@yield('x', 'y') - Yields the content of a section called x; defaults to y if x is not defined.</a:t>
-            </a:r>
-          </a:p>
-          <a:p>
-            <a:pPr lvl="1"/>
+              <a:t>, @else and @</a:t>
+            </a:r>
+            <a:r>
+              <a:rPr lang="en-US" dirty="0" err="1" smtClean="0"/>
+              <a:t>endif</a:t>
+            </a:r>
+            <a:endParaRPr lang="en-US" dirty="0" smtClean="0"/>
+          </a:p>
+          <a:p>
             <a:r>
               <a:rPr lang="en-US" dirty="0" smtClean="0"/>
-              <a:t>@section('name') </a:t>
-            </a:r>
-          </a:p>
-          <a:p>
-            <a:pPr lvl="1"/>
-            <a:r>
-              <a:rPr lang="en-US" dirty="0" smtClean="0"/>
-              <a:t>@</a:t>
+              <a:t> @unless, @</a:t>
             </a:r>
             <a:r>
               <a:rPr lang="en-US" dirty="0" err="1" smtClean="0"/>
-              <a:t>endsection</a:t>
+              <a:t>endunless</a:t>
             </a:r>
             <a:r>
               <a:rPr lang="en-US" dirty="0" smtClean="0"/>
@@ -4459,72 +4314,95 @@
             </a:r>
           </a:p>
           <a:p>
-            <a:pPr lvl="1"/>
             <a:endParaRPr lang="en-US" dirty="0" smtClean="0"/>
           </a:p>
           <a:p>
-            <a:pPr lvl="1"/>
             <a:r>
               <a:rPr lang="en-US" b="1" dirty="0" smtClean="0">
                 <a:solidFill>
                   <a:srgbClr val="00B050"/>
                 </a:solidFill>
               </a:rPr>
-              <a:t>// Extending A Layout </a:t>
-            </a:r>
-          </a:p>
-          <a:p>
-            <a:pPr lvl="1"/>
+              <a:t>// Loops </a:t>
+            </a:r>
+          </a:p>
+          <a:p>
             <a:r>
               <a:rPr lang="en-US" dirty="0" smtClean="0"/>
-              <a:t>@extends('template') </a:t>
-            </a:r>
-          </a:p>
-          <a:p>
-            <a:pPr lvl="1"/>
+              <a:t>@for...@</a:t>
+            </a:r>
+            <a:r>
+              <a:rPr lang="en-US" dirty="0" err="1" smtClean="0"/>
+              <a:t>endfor</a:t>
+            </a:r>
+            <a:endParaRPr lang="en-US" dirty="0" smtClean="0"/>
+          </a:p>
+          <a:p>
             <a:r>
               <a:rPr lang="en-US" dirty="0" smtClean="0"/>
-              <a:t>@section('name') </a:t>
-            </a:r>
-          </a:p>
-          <a:p>
-            <a:pPr lvl="1"/>
+              <a:t>@</a:t>
+            </a:r>
+            <a:r>
+              <a:rPr lang="en-US" dirty="0" err="1" smtClean="0"/>
+              <a:t>foreach</a:t>
+            </a:r>
             <a:r>
               <a:rPr lang="en-US" dirty="0" smtClean="0"/>
-              <a:t> @</a:t>
+              <a:t>...@</a:t>
             </a:r>
             <a:r>
               <a:rPr lang="en-US" dirty="0" err="1" smtClean="0"/>
-              <a:t>endsection</a:t>
-            </a:r>
+              <a:t>endforeach</a:t>
+            </a:r>
+            <a:endParaRPr lang="en-US" dirty="0" smtClean="0"/>
+          </a:p>
+          <a:p>
             <a:r>
               <a:rPr lang="en-US" dirty="0" smtClean="0"/>
-              <a:t> </a:t>
-            </a:r>
-          </a:p>
-          <a:p>
-            <a:pPr lvl="1"/>
+              <a:t>@</a:t>
+            </a:r>
+            <a:r>
+              <a:rPr lang="en-US" dirty="0" err="1" smtClean="0"/>
+              <a:t>forelse</a:t>
+            </a:r>
+            <a:r>
+              <a:rPr lang="en-US" dirty="0" smtClean="0"/>
+              <a:t>...@empty...@</a:t>
+            </a:r>
+            <a:r>
+              <a:rPr lang="en-US" dirty="0" err="1" smtClean="0"/>
+              <a:t>endforelse</a:t>
+            </a:r>
             <a:endParaRPr lang="en-US" dirty="0" smtClean="0"/>
           </a:p>
           <a:p>
-            <a:pPr lvl="1"/>
             <a:r>
               <a:rPr lang="en-US" dirty="0" smtClean="0"/>
-              <a:t>@section('name', 'value') </a:t>
-            </a:r>
-          </a:p>
-          <a:p>
-            <a:pPr lvl="1"/>
+              <a:t>@while...@</a:t>
+            </a:r>
+            <a:r>
+              <a:rPr lang="en-US" dirty="0" err="1" smtClean="0"/>
+              <a:t>endwhile</a:t>
+            </a:r>
+            <a:endParaRPr lang="en-US" dirty="0" smtClean="0"/>
+          </a:p>
+          <a:p>
             <a:r>
               <a:rPr lang="en-US" dirty="0" smtClean="0"/>
-              <a:t>@section('name', $value)</a:t>
-            </a:r>
-          </a:p>
-          <a:p>
-            <a:pPr lvl="1"/>
-            <a:endParaRPr lang="en-US" dirty="0" smtClean="0"/>
-          </a:p>
-          <a:p>
+              <a:t>@continue, @continue($user-&gt;type==1) </a:t>
+            </a:r>
+          </a:p>
+          <a:p>
+            <a:r>
+              <a:rPr lang="en-US" dirty="0" smtClean="0"/>
+              <a:t>@break, $break($user-&gt;type==1)</a:t>
+            </a:r>
+          </a:p>
+          <a:p>
+            <a:r>
+              <a:rPr lang="en-US" dirty="0" smtClean="0"/>
+              <a:t> $loop - index, iteration, remaining, count, first, last, depth, parent</a:t>
+            </a:r>
             <a:endParaRPr lang="en-US" dirty="0"/>
           </a:p>
         </p:txBody>
@@ -4574,6 +4452,236 @@
         <p:spPr/>
         <p:txBody>
           <a:bodyPr>
+            <a:normAutofit fontScale="90000"/>
+          </a:bodyPr>
+          <a:lstStyle/>
+          <a:p>
+            <a:r>
+              <a:rPr lang="en-US" b="1" dirty="0" smtClean="0">
+                <a:hlinkClick r:id="rId2"/>
+              </a:rPr>
+              <a:t>Blade syntax </a:t>
+            </a:r>
+            <a:r>
+              <a:rPr lang="en-US" dirty="0" smtClean="0"/>
+              <a:t>- </a:t>
+            </a:r>
+            <a:r>
+              <a:rPr lang="en-US" b="1" dirty="0" smtClean="0"/>
+              <a:t>Template inheritance</a:t>
+            </a:r>
+          </a:p>
+        </p:txBody>
+      </p:sp>
+      <p:sp>
+        <p:nvSpPr>
+          <p:cNvPr id="3" name="Content Placeholder 2"/>
+          <p:cNvSpPr>
+            <a:spLocks noGrp="1"/>
+          </p:cNvSpPr>
+          <p:nvPr>
+            <p:ph idx="1"/>
+          </p:nvPr>
+        </p:nvSpPr>
+        <p:spPr/>
+        <p:txBody>
+          <a:bodyPr/>
+          <a:lstStyle/>
+          <a:p>
+            <a:endParaRPr lang="en-US" dirty="0" smtClean="0"/>
+          </a:p>
+          <a:p>
+            <a:endParaRPr lang="en-US" dirty="0" smtClean="0"/>
+          </a:p>
+          <a:p>
+            <a:endParaRPr lang="en-US" dirty="0"/>
+          </a:p>
+        </p:txBody>
+      </p:sp>
+      <p:sp>
+        <p:nvSpPr>
+          <p:cNvPr id="6" name="TextBox 5"/>
+          <p:cNvSpPr txBox="1"/>
+          <p:nvPr/>
+        </p:nvSpPr>
+        <p:spPr>
+          <a:xfrm>
+            <a:off x="427511" y="1828800"/>
+            <a:ext cx="8716489" cy="4247317"/>
+          </a:xfrm>
+          <a:prstGeom prst="rect">
+            <a:avLst/>
+          </a:prstGeom>
+          <a:noFill/>
+        </p:spPr>
+        <p:txBody>
+          <a:bodyPr wrap="none" rtlCol="0">
+            <a:spAutoFit/>
+          </a:bodyPr>
+          <a:lstStyle/>
+          <a:p>
+            <a:pPr lvl="1"/>
+            <a:r>
+              <a:rPr lang="en-US" b="1" dirty="0" smtClean="0">
+                <a:solidFill>
+                  <a:srgbClr val="00B050"/>
+                </a:solidFill>
+              </a:rPr>
+              <a:t>// Defining A Layout </a:t>
+            </a:r>
+          </a:p>
+          <a:p>
+            <a:pPr lvl="1"/>
+            <a:r>
+              <a:rPr lang="en-US" dirty="0" smtClean="0"/>
+              <a:t>@yield('name') </a:t>
+            </a:r>
+          </a:p>
+          <a:p>
+            <a:pPr lvl="1"/>
+            <a:r>
+              <a:rPr lang="en-US" dirty="0" smtClean="0"/>
+              <a:t>@yield('x', 'y') - Yields the content of a section called x; defaults to y if x is not defined.</a:t>
+            </a:r>
+          </a:p>
+          <a:p>
+            <a:pPr lvl="1"/>
+            <a:r>
+              <a:rPr lang="en-US" dirty="0" smtClean="0"/>
+              <a:t>@section('name') </a:t>
+            </a:r>
+          </a:p>
+          <a:p>
+            <a:pPr lvl="1"/>
+            <a:r>
+              <a:rPr lang="en-US" dirty="0" smtClean="0"/>
+              <a:t>@</a:t>
+            </a:r>
+            <a:r>
+              <a:rPr lang="en-US" dirty="0" err="1" smtClean="0"/>
+              <a:t>endsection</a:t>
+            </a:r>
+            <a:r>
+              <a:rPr lang="en-US" dirty="0" smtClean="0"/>
+              <a:t> </a:t>
+            </a:r>
+          </a:p>
+          <a:p>
+            <a:pPr lvl="1"/>
+            <a:endParaRPr lang="en-US" dirty="0" smtClean="0"/>
+          </a:p>
+          <a:p>
+            <a:pPr lvl="1"/>
+            <a:r>
+              <a:rPr lang="en-US" b="1" dirty="0" smtClean="0">
+                <a:solidFill>
+                  <a:srgbClr val="00B050"/>
+                </a:solidFill>
+              </a:rPr>
+              <a:t>// Extending A Layout </a:t>
+            </a:r>
+          </a:p>
+          <a:p>
+            <a:pPr lvl="1"/>
+            <a:r>
+              <a:rPr lang="en-US" dirty="0" smtClean="0"/>
+              <a:t>@extends('template') </a:t>
+            </a:r>
+          </a:p>
+          <a:p>
+            <a:pPr lvl="1"/>
+            <a:r>
+              <a:rPr lang="en-US" dirty="0" smtClean="0"/>
+              <a:t>@section('name') </a:t>
+            </a:r>
+          </a:p>
+          <a:p>
+            <a:pPr lvl="1"/>
+            <a:r>
+              <a:rPr lang="en-US" dirty="0" smtClean="0"/>
+              <a:t> @</a:t>
+            </a:r>
+            <a:r>
+              <a:rPr lang="en-US" dirty="0" err="1" smtClean="0"/>
+              <a:t>endsection</a:t>
+            </a:r>
+            <a:r>
+              <a:rPr lang="en-US" dirty="0" smtClean="0"/>
+              <a:t> </a:t>
+            </a:r>
+          </a:p>
+          <a:p>
+            <a:pPr lvl="1"/>
+            <a:endParaRPr lang="en-US" dirty="0" smtClean="0"/>
+          </a:p>
+          <a:p>
+            <a:pPr lvl="1"/>
+            <a:r>
+              <a:rPr lang="en-US" dirty="0" smtClean="0"/>
+              <a:t>@section('name', 'value') </a:t>
+            </a:r>
+          </a:p>
+          <a:p>
+            <a:pPr lvl="1"/>
+            <a:r>
+              <a:rPr lang="en-US" dirty="0" smtClean="0"/>
+              <a:t>@section('name', $value)</a:t>
+            </a:r>
+          </a:p>
+          <a:p>
+            <a:pPr lvl="1"/>
+            <a:endParaRPr lang="en-US" dirty="0" smtClean="0"/>
+          </a:p>
+          <a:p>
+            <a:endParaRPr lang="en-US" dirty="0"/>
+          </a:p>
+        </p:txBody>
+      </p:sp>
+    </p:spTree>
+  </p:cSld>
+  <p:clrMapOvr>
+    <a:masterClrMapping/>
+  </p:clrMapOvr>
+  <p:timing>
+    <p:tnLst>
+      <p:par>
+        <p:cTn id="1" dur="indefinite" restart="never" nodeType="tmRoot"/>
+      </p:par>
+    </p:tnLst>
+  </p:timing>
+</p:sld>
+</file>
+
+<file path=ppt/slides/slide16.xml><?xml version="1.0" encoding="utf-8"?>
+<p:sld xmlns:a="http://schemas.openxmlformats.org/drawingml/2006/main" xmlns:r="http://schemas.openxmlformats.org/officeDocument/2006/relationships" xmlns:p="http://schemas.openxmlformats.org/presentationml/2006/main">
+  <p:cSld>
+    <p:spTree>
+      <p:nvGrpSpPr>
+        <p:cNvPr id="1" name=""/>
+        <p:cNvGrpSpPr/>
+        <p:nvPr/>
+      </p:nvGrpSpPr>
+      <p:grpSpPr>
+        <a:xfrm>
+          <a:off x="0" y="0"/>
+          <a:ext cx="0" cy="0"/>
+          <a:chOff x="0" y="0"/>
+          <a:chExt cx="0" cy="0"/>
+        </a:xfrm>
+      </p:grpSpPr>
+      <p:sp>
+        <p:nvSpPr>
+          <p:cNvPr id="2" name="Title 1"/>
+          <p:cNvSpPr>
+            <a:spLocks noGrp="1"/>
+          </p:cNvSpPr>
+          <p:nvPr>
+            <p:ph type="title"/>
+          </p:nvPr>
+        </p:nvSpPr>
+        <p:spPr/>
+        <p:txBody>
+          <a:bodyPr>
             <a:normAutofit/>
           </a:bodyPr>
           <a:lstStyle/>
@@ -4729,7 +4837,7 @@
 </p:sld>
 </file>
 
-<file path=ppt/slides/slide16.xml><?xml version="1.0" encoding="utf-8"?>
+<file path=ppt/slides/slide17.xml><?xml version="1.0" encoding="utf-8"?>
 <p:sld xmlns:a="http://schemas.openxmlformats.org/drawingml/2006/main" xmlns:r="http://schemas.openxmlformats.org/officeDocument/2006/relationships" xmlns:p="http://schemas.openxmlformats.org/presentationml/2006/main">
   <p:cSld>
     <p:spTree>
